--- a/docs/CHIP Presentation 3.31.pptx
+++ b/docs/CHIP Presentation 3.31.pptx
@@ -3480,7 +3480,10 @@
           <a:bodyPr/>
           <a:lstStyle/>
           <a:p>
-            <a:endParaRPr lang="en-US"/>
+            <a:r>
+              <a:rPr lang="en-US"/>
+              <a:t>https://www.nature.com/articles/s43856-021-00015-1#:~:text=Our%20findings%20provide%20evidence%20that,escape%2C%20roll%20out%20and%20coverage.</a:t>
+            </a:r>
           </a:p>
         </p:txBody>
       </p:sp>
@@ -3702,7 +3705,7 @@
           <a:lstStyle/>
           <a:p>
             <a:r>
-              <a:rPr lang="en-US"/>
+              <a:rPr lang="en-US" dirty="0"/>
               <a:t>Discussion</a:t>
             </a:r>
           </a:p>
